--- a/Chapter2/Figures/Fig13.pptx
+++ b/Chapter2/Figures/Fig13.pptx
@@ -7,7 +7,7 @@
   <p:sldIdLst>
     <p:sldId id="256" r:id="rId2"/>
   </p:sldIdLst>
-  <p:sldSz cx="12780963" cy="5940425"/>
+  <p:sldSz cx="9001125" cy="9540875"/>
   <p:notesSz cx="6858000" cy="9144000"/>
   <p:defaultTextStyle>
     <a:defPPr>
@@ -136,8 +136,8 @@
         </p:nvSpPr>
         <p:spPr>
           <a:xfrm>
-            <a:off x="958574" y="1845382"/>
-            <a:ext cx="10863819" cy="1273342"/>
+            <a:off x="675089" y="2963855"/>
+            <a:ext cx="7650957" cy="2045106"/>
           </a:xfrm>
         </p:spPr>
         <p:txBody>
@@ -164,8 +164,8 @@
         </p:nvSpPr>
         <p:spPr>
           <a:xfrm>
-            <a:off x="1917146" y="3366243"/>
-            <a:ext cx="8946675" cy="1518108"/>
+            <a:off x="1350170" y="5406501"/>
+            <a:ext cx="6300788" cy="2438222"/>
           </a:xfrm>
         </p:spPr>
         <p:txBody>
@@ -288,7 +288,7 @@
           <a:p>
             <a:fld id="{1242D6C5-CFB4-4B19-BCA0-C8773C35A29B}" type="datetimeFigureOut">
               <a:rPr lang="en-GB" smtClean="0"/>
-              <a:t>25/06/2014</a:t>
+              <a:t>10/07/2014</a:t>
             </a:fld>
             <a:endParaRPr lang="en-GB"/>
           </a:p>
@@ -458,7 +458,7 @@
           <a:p>
             <a:fld id="{1242D6C5-CFB4-4B19-BCA0-C8773C35A29B}" type="datetimeFigureOut">
               <a:rPr lang="en-GB" smtClean="0"/>
-              <a:t>25/06/2014</a:t>
+              <a:t>10/07/2014</a:t>
             </a:fld>
             <a:endParaRPr lang="en-GB"/>
           </a:p>
@@ -548,8 +548,8 @@
         </p:nvSpPr>
         <p:spPr>
           <a:xfrm>
-            <a:off x="10945922" y="187014"/>
-            <a:ext cx="3397161" cy="3991910"/>
+            <a:off x="7708779" y="300364"/>
+            <a:ext cx="2392486" cy="6411378"/>
           </a:xfrm>
         </p:spPr>
         <p:txBody>
@@ -576,8 +576,8 @@
         </p:nvSpPr>
         <p:spPr>
           <a:xfrm>
-            <a:off x="754433" y="187014"/>
-            <a:ext cx="9978472" cy="3991910"/>
+            <a:off x="531317" y="300364"/>
+            <a:ext cx="7027442" cy="6411378"/>
           </a:xfrm>
         </p:spPr>
         <p:txBody>
@@ -638,7 +638,7 @@
           <a:p>
             <a:fld id="{1242D6C5-CFB4-4B19-BCA0-C8773C35A29B}" type="datetimeFigureOut">
               <a:rPr lang="en-GB" smtClean="0"/>
-              <a:t>25/06/2014</a:t>
+              <a:t>10/07/2014</a:t>
             </a:fld>
             <a:endParaRPr lang="en-GB"/>
           </a:p>
@@ -808,7 +808,7 @@
           <a:p>
             <a:fld id="{1242D6C5-CFB4-4B19-BCA0-C8773C35A29B}" type="datetimeFigureOut">
               <a:rPr lang="en-GB" smtClean="0"/>
-              <a:t>25/06/2014</a:t>
+              <a:t>10/07/2014</a:t>
             </a:fld>
             <a:endParaRPr lang="en-GB"/>
           </a:p>
@@ -898,8 +898,8 @@
         </p:nvSpPr>
         <p:spPr>
           <a:xfrm>
-            <a:off x="1009609" y="3817275"/>
-            <a:ext cx="10863819" cy="1179834"/>
+            <a:off x="711030" y="6130899"/>
+            <a:ext cx="7650957" cy="1894923"/>
           </a:xfrm>
         </p:spPr>
         <p:txBody>
@@ -930,8 +930,8 @@
         </p:nvSpPr>
         <p:spPr>
           <a:xfrm>
-            <a:off x="1009609" y="2517808"/>
-            <a:ext cx="10863819" cy="1299467"/>
+            <a:off x="711030" y="4043835"/>
+            <a:ext cx="7650957" cy="2087065"/>
           </a:xfrm>
         </p:spPr>
         <p:txBody>
@@ -1054,7 +1054,7 @@
           <a:p>
             <a:fld id="{1242D6C5-CFB4-4B19-BCA0-C8773C35A29B}" type="datetimeFigureOut">
               <a:rPr lang="en-GB" smtClean="0"/>
-              <a:t>25/06/2014</a:t>
+              <a:t>10/07/2014</a:t>
             </a:fld>
             <a:endParaRPr lang="en-GB"/>
           </a:p>
@@ -1167,8 +1167,8 @@
         </p:nvSpPr>
         <p:spPr>
           <a:xfrm>
-            <a:off x="754434" y="1091830"/>
-            <a:ext cx="6687816" cy="3087096"/>
+            <a:off x="531322" y="1753582"/>
+            <a:ext cx="4709963" cy="4958164"/>
           </a:xfrm>
         </p:spPr>
         <p:txBody>
@@ -1252,8 +1252,8 @@
         </p:nvSpPr>
         <p:spPr>
           <a:xfrm>
-            <a:off x="7655267" y="1091830"/>
-            <a:ext cx="6687816" cy="3087096"/>
+            <a:off x="5391304" y="1753582"/>
+            <a:ext cx="4709963" cy="4958164"/>
           </a:xfrm>
         </p:spPr>
         <p:txBody>
@@ -1342,7 +1342,7 @@
           <a:p>
             <a:fld id="{1242D6C5-CFB4-4B19-BCA0-C8773C35A29B}" type="datetimeFigureOut">
               <a:rPr lang="en-GB" smtClean="0"/>
-              <a:t>25/06/2014</a:t>
+              <a:t>10/07/2014</a:t>
             </a:fld>
             <a:endParaRPr lang="en-GB"/>
           </a:p>
@@ -1432,8 +1432,8 @@
         </p:nvSpPr>
         <p:spPr>
           <a:xfrm>
-            <a:off x="639050" y="237892"/>
-            <a:ext cx="11502866" cy="990072"/>
+            <a:off x="450057" y="382079"/>
+            <a:ext cx="8101012" cy="1590147"/>
           </a:xfrm>
         </p:spPr>
         <p:txBody>
@@ -1464,8 +1464,8 @@
         </p:nvSpPr>
         <p:spPr>
           <a:xfrm>
-            <a:off x="639049" y="1329722"/>
-            <a:ext cx="5647145" cy="554164"/>
+            <a:off x="450058" y="2135656"/>
+            <a:ext cx="3977060" cy="890039"/>
           </a:xfrm>
         </p:spPr>
         <p:txBody>
@@ -1529,8 +1529,8 @@
         </p:nvSpPr>
         <p:spPr>
           <a:xfrm>
-            <a:off x="639049" y="1883887"/>
-            <a:ext cx="5647145" cy="3422620"/>
+            <a:off x="450058" y="3025697"/>
+            <a:ext cx="3977060" cy="5497046"/>
           </a:xfrm>
         </p:spPr>
         <p:txBody>
@@ -1614,8 +1614,8 @@
         </p:nvSpPr>
         <p:spPr>
           <a:xfrm>
-            <a:off x="6492553" y="1329722"/>
-            <a:ext cx="5649364" cy="554164"/>
+            <a:off x="4572451" y="2135656"/>
+            <a:ext cx="3978623" cy="890039"/>
           </a:xfrm>
         </p:spPr>
         <p:txBody>
@@ -1679,8 +1679,8 @@
         </p:nvSpPr>
         <p:spPr>
           <a:xfrm>
-            <a:off x="6492553" y="1883887"/>
-            <a:ext cx="5649364" cy="3422620"/>
+            <a:off x="4572451" y="3025697"/>
+            <a:ext cx="3978623" cy="5497046"/>
           </a:xfrm>
         </p:spPr>
         <p:txBody>
@@ -1769,7 +1769,7 @@
           <a:p>
             <a:fld id="{1242D6C5-CFB4-4B19-BCA0-C8773C35A29B}" type="datetimeFigureOut">
               <a:rPr lang="en-GB" smtClean="0"/>
-              <a:t>25/06/2014</a:t>
+              <a:t>10/07/2014</a:t>
             </a:fld>
             <a:endParaRPr lang="en-GB"/>
           </a:p>
@@ -1887,7 +1887,7 @@
           <a:p>
             <a:fld id="{1242D6C5-CFB4-4B19-BCA0-C8773C35A29B}" type="datetimeFigureOut">
               <a:rPr lang="en-GB" smtClean="0"/>
-              <a:t>25/06/2014</a:t>
+              <a:t>10/07/2014</a:t>
             </a:fld>
             <a:endParaRPr lang="en-GB"/>
           </a:p>
@@ -1982,7 +1982,7 @@
           <a:p>
             <a:fld id="{1242D6C5-CFB4-4B19-BCA0-C8773C35A29B}" type="datetimeFigureOut">
               <a:rPr lang="en-GB" smtClean="0"/>
-              <a:t>25/06/2014</a:t>
+              <a:t>10/07/2014</a:t>
             </a:fld>
             <a:endParaRPr lang="en-GB"/>
           </a:p>
@@ -2072,8 +2072,8 @@
         </p:nvSpPr>
         <p:spPr>
           <a:xfrm>
-            <a:off x="639051" y="236518"/>
-            <a:ext cx="4204848" cy="1006572"/>
+            <a:off x="450059" y="379871"/>
+            <a:ext cx="2961308" cy="1616648"/>
           </a:xfrm>
         </p:spPr>
         <p:txBody>
@@ -2104,8 +2104,8 @@
         </p:nvSpPr>
         <p:spPr>
           <a:xfrm>
-            <a:off x="4997003" y="236520"/>
-            <a:ext cx="7144914" cy="5069988"/>
+            <a:off x="3519192" y="379874"/>
+            <a:ext cx="5031879" cy="8142872"/>
           </a:xfrm>
         </p:spPr>
         <p:txBody>
@@ -2189,8 +2189,8 @@
         </p:nvSpPr>
         <p:spPr>
           <a:xfrm>
-            <a:off x="639051" y="1243090"/>
-            <a:ext cx="4204848" cy="4063416"/>
+            <a:off x="450059" y="1996518"/>
+            <a:ext cx="2961308" cy="6526224"/>
           </a:xfrm>
         </p:spPr>
         <p:txBody>
@@ -2259,7 +2259,7 @@
           <a:p>
             <a:fld id="{1242D6C5-CFB4-4B19-BCA0-C8773C35A29B}" type="datetimeFigureOut">
               <a:rPr lang="en-GB" smtClean="0"/>
-              <a:t>25/06/2014</a:t>
+              <a:t>10/07/2014</a:t>
             </a:fld>
             <a:endParaRPr lang="en-GB"/>
           </a:p>
@@ -2349,8 +2349,8 @@
         </p:nvSpPr>
         <p:spPr>
           <a:xfrm>
-            <a:off x="2505158" y="4158300"/>
-            <a:ext cx="7668578" cy="490910"/>
+            <a:off x="1764286" y="6678617"/>
+            <a:ext cx="5400675" cy="788447"/>
           </a:xfrm>
         </p:spPr>
         <p:txBody>
@@ -2381,8 +2381,8 @@
         </p:nvSpPr>
         <p:spPr>
           <a:xfrm>
-            <a:off x="2505158" y="530790"/>
-            <a:ext cx="7668578" cy="3564255"/>
+            <a:off x="1764286" y="852499"/>
+            <a:ext cx="5400675" cy="5724525"/>
           </a:xfrm>
         </p:spPr>
         <p:txBody>
@@ -2442,8 +2442,8 @@
         </p:nvSpPr>
         <p:spPr>
           <a:xfrm>
-            <a:off x="2505158" y="4649209"/>
-            <a:ext cx="7668578" cy="697175"/>
+            <a:off x="1764286" y="7467064"/>
+            <a:ext cx="5400675" cy="1119729"/>
           </a:xfrm>
         </p:spPr>
         <p:txBody>
@@ -2512,7 +2512,7 @@
           <a:p>
             <a:fld id="{1242D6C5-CFB4-4B19-BCA0-C8773C35A29B}" type="datetimeFigureOut">
               <a:rPr lang="en-GB" smtClean="0"/>
-              <a:t>25/06/2014</a:t>
+              <a:t>10/07/2014</a:t>
             </a:fld>
             <a:endParaRPr lang="en-GB"/>
           </a:p>
@@ -2607,8 +2607,8 @@
         </p:nvSpPr>
         <p:spPr>
           <a:xfrm>
-            <a:off x="639050" y="237892"/>
-            <a:ext cx="11502866" cy="990072"/>
+            <a:off x="450057" y="382079"/>
+            <a:ext cx="8101012" cy="1590147"/>
           </a:xfrm>
           <a:prstGeom prst="rect">
             <a:avLst/>
@@ -2640,8 +2640,8 @@
         </p:nvSpPr>
         <p:spPr>
           <a:xfrm>
-            <a:off x="639050" y="1386101"/>
-            <a:ext cx="11502866" cy="3920406"/>
+            <a:off x="450057" y="2226209"/>
+            <a:ext cx="8101012" cy="6296536"/>
           </a:xfrm>
           <a:prstGeom prst="rect">
             <a:avLst/>
@@ -2702,8 +2702,8 @@
         </p:nvSpPr>
         <p:spPr>
           <a:xfrm>
-            <a:off x="639050" y="5505896"/>
-            <a:ext cx="2982225" cy="316273"/>
+            <a:off x="450062" y="8842981"/>
+            <a:ext cx="2100263" cy="507965"/>
           </a:xfrm>
           <a:prstGeom prst="rect">
             <a:avLst/>
@@ -2725,7 +2725,7 @@
           <a:p>
             <a:fld id="{1242D6C5-CFB4-4B19-BCA0-C8773C35A29B}" type="datetimeFigureOut">
               <a:rPr lang="en-GB" smtClean="0"/>
-              <a:t>25/06/2014</a:t>
+              <a:t>10/07/2014</a:t>
             </a:fld>
             <a:endParaRPr lang="en-GB"/>
           </a:p>
@@ -2743,8 +2743,8 @@
         </p:nvSpPr>
         <p:spPr>
           <a:xfrm>
-            <a:off x="4366831" y="5505896"/>
-            <a:ext cx="4047305" cy="316273"/>
+            <a:off x="3075389" y="8842981"/>
+            <a:ext cx="2850357" cy="507965"/>
           </a:xfrm>
           <a:prstGeom prst="rect">
             <a:avLst/>
@@ -2780,8 +2780,8 @@
         </p:nvSpPr>
         <p:spPr>
           <a:xfrm>
-            <a:off x="9159692" y="5505896"/>
-            <a:ext cx="2982225" cy="316273"/>
+            <a:off x="6450812" y="8842981"/>
+            <a:ext cx="2100263" cy="507965"/>
           </a:xfrm>
           <a:prstGeom prst="rect">
             <a:avLst/>
@@ -3102,7 +3102,7 @@
       </p:grpSpPr>
       <p:pic>
         <p:nvPicPr>
-          <p:cNvPr id="40" name="Picture 2" descr="C:\Users\Wendy\Documents\wwn20\Lit review\Figures\ishihara1990-1.jpg"/>
+          <p:cNvPr id="32" name="Picture 2" descr="C:\Users\Wendy\Documents\wwn20\Lit review\Figures\ishihara1990-1.jpg"/>
           <p:cNvPicPr>
             <a:picLocks noChangeAspect="1" noChangeArrowheads="1"/>
           </p:cNvPicPr>
@@ -3141,7 +3141,7 @@
       </p:pic>
       <p:pic>
         <p:nvPicPr>
-          <p:cNvPr id="41" name="Picture 3" descr="C:\Users\Wendy\Documents\wwn20\Lit review\Figures\ishihara1990-2.jpg"/>
+          <p:cNvPr id="33" name="Picture 3" descr="C:\Users\Wendy\Documents\wwn20\Lit review\Figures\ishihara1990-2.jpg"/>
           <p:cNvPicPr>
             <a:picLocks noChangeAspect="1" noChangeArrowheads="1"/>
           </p:cNvPicPr>
@@ -3160,8 +3160,8 @@
         </p:blipFill>
         <p:spPr bwMode="auto">
           <a:xfrm>
-            <a:off x="4439024" y="94130"/>
-            <a:ext cx="3620834" cy="5688000"/>
+            <a:off x="4595010" y="851705"/>
+            <a:ext cx="4399729" cy="6911573"/>
           </a:xfrm>
           <a:prstGeom prst="rect">
             <a:avLst/>
@@ -3180,7 +3180,7 @@
       </p:pic>
       <p:pic>
         <p:nvPicPr>
-          <p:cNvPr id="42" name="Picture 4" descr="C:\Users\Wendy\Documents\wwn20\Lit review\Figures\ishihara1990-3.jpg"/>
+          <p:cNvPr id="34" name="Picture 4" descr="C:\Users\Wendy\Documents\wwn20\Lit review\Figures\ishihara1990-3.jpg"/>
           <p:cNvPicPr>
             <a:picLocks noChangeAspect="1" noChangeArrowheads="1"/>
           </p:cNvPicPr>
@@ -3201,8 +3201,8 @@
         </p:blipFill>
         <p:spPr bwMode="auto">
           <a:xfrm>
-            <a:off x="8040296" y="1124744"/>
-            <a:ext cx="4943475" cy="4152900"/>
+            <a:off x="366927" y="6057900"/>
+            <a:ext cx="4139395" cy="3477411"/>
           </a:xfrm>
           <a:prstGeom prst="rect">
             <a:avLst/>
@@ -3221,7 +3221,7 @@
       </p:pic>
       <p:sp>
         <p:nvSpPr>
-          <p:cNvPr id="43" name="TextBox 42"/>
+          <p:cNvPr id="35" name="TextBox 34"/>
           <p:cNvSpPr txBox="1"/>
           <p:nvPr/>
         </p:nvSpPr>
@@ -3251,13 +3251,13 @@
       </p:sp>
       <p:sp>
         <p:nvSpPr>
-          <p:cNvPr id="44" name="TextBox 43"/>
+          <p:cNvPr id="36" name="TextBox 35"/>
           <p:cNvSpPr txBox="1"/>
           <p:nvPr/>
         </p:nvSpPr>
         <p:spPr>
           <a:xfrm>
-            <a:off x="4194676" y="54169"/>
+            <a:off x="4344895" y="934146"/>
             <a:ext cx="596271" cy="477054"/>
           </a:xfrm>
           <a:prstGeom prst="rect">
@@ -3281,13 +3281,13 @@
       </p:sp>
       <p:sp>
         <p:nvSpPr>
-          <p:cNvPr id="45" name="TextBox 44"/>
+          <p:cNvPr id="37" name="TextBox 36"/>
           <p:cNvSpPr txBox="1"/>
           <p:nvPr/>
         </p:nvSpPr>
         <p:spPr>
           <a:xfrm>
-            <a:off x="8198801" y="1102713"/>
+            <a:off x="321602" y="5940425"/>
             <a:ext cx="596271" cy="477054"/>
           </a:xfrm>
           <a:prstGeom prst="rect">

--- a/Chapter2/Figures/Fig13.pptx
+++ b/Chapter2/Figures/Fig13.pptx
@@ -288,7 +288,7 @@
           <a:p>
             <a:fld id="{1242D6C5-CFB4-4B19-BCA0-C8773C35A29B}" type="datetimeFigureOut">
               <a:rPr lang="en-GB" smtClean="0"/>
-              <a:t>10/07/2014</a:t>
+              <a:t>26/09/2014</a:t>
             </a:fld>
             <a:endParaRPr lang="en-GB"/>
           </a:p>
@@ -458,7 +458,7 @@
           <a:p>
             <a:fld id="{1242D6C5-CFB4-4B19-BCA0-C8773C35A29B}" type="datetimeFigureOut">
               <a:rPr lang="en-GB" smtClean="0"/>
-              <a:t>10/07/2014</a:t>
+              <a:t>26/09/2014</a:t>
             </a:fld>
             <a:endParaRPr lang="en-GB"/>
           </a:p>
@@ -638,7 +638,7 @@
           <a:p>
             <a:fld id="{1242D6C5-CFB4-4B19-BCA0-C8773C35A29B}" type="datetimeFigureOut">
               <a:rPr lang="en-GB" smtClean="0"/>
-              <a:t>10/07/2014</a:t>
+              <a:t>26/09/2014</a:t>
             </a:fld>
             <a:endParaRPr lang="en-GB"/>
           </a:p>
@@ -808,7 +808,7 @@
           <a:p>
             <a:fld id="{1242D6C5-CFB4-4B19-BCA0-C8773C35A29B}" type="datetimeFigureOut">
               <a:rPr lang="en-GB" smtClean="0"/>
-              <a:t>10/07/2014</a:t>
+              <a:t>26/09/2014</a:t>
             </a:fld>
             <a:endParaRPr lang="en-GB"/>
           </a:p>
@@ -1054,7 +1054,7 @@
           <a:p>
             <a:fld id="{1242D6C5-CFB4-4B19-BCA0-C8773C35A29B}" type="datetimeFigureOut">
               <a:rPr lang="en-GB" smtClean="0"/>
-              <a:t>10/07/2014</a:t>
+              <a:t>26/09/2014</a:t>
             </a:fld>
             <a:endParaRPr lang="en-GB"/>
           </a:p>
@@ -1342,7 +1342,7 @@
           <a:p>
             <a:fld id="{1242D6C5-CFB4-4B19-BCA0-C8773C35A29B}" type="datetimeFigureOut">
               <a:rPr lang="en-GB" smtClean="0"/>
-              <a:t>10/07/2014</a:t>
+              <a:t>26/09/2014</a:t>
             </a:fld>
             <a:endParaRPr lang="en-GB"/>
           </a:p>
@@ -1769,7 +1769,7 @@
           <a:p>
             <a:fld id="{1242D6C5-CFB4-4B19-BCA0-C8773C35A29B}" type="datetimeFigureOut">
               <a:rPr lang="en-GB" smtClean="0"/>
-              <a:t>10/07/2014</a:t>
+              <a:t>26/09/2014</a:t>
             </a:fld>
             <a:endParaRPr lang="en-GB"/>
           </a:p>
@@ -1887,7 +1887,7 @@
           <a:p>
             <a:fld id="{1242D6C5-CFB4-4B19-BCA0-C8773C35A29B}" type="datetimeFigureOut">
               <a:rPr lang="en-GB" smtClean="0"/>
-              <a:t>10/07/2014</a:t>
+              <a:t>26/09/2014</a:t>
             </a:fld>
             <a:endParaRPr lang="en-GB"/>
           </a:p>
@@ -1982,7 +1982,7 @@
           <a:p>
             <a:fld id="{1242D6C5-CFB4-4B19-BCA0-C8773C35A29B}" type="datetimeFigureOut">
               <a:rPr lang="en-GB" smtClean="0"/>
-              <a:t>10/07/2014</a:t>
+              <a:t>26/09/2014</a:t>
             </a:fld>
             <a:endParaRPr lang="en-GB"/>
           </a:p>
@@ -2259,7 +2259,7 @@
           <a:p>
             <a:fld id="{1242D6C5-CFB4-4B19-BCA0-C8773C35A29B}" type="datetimeFigureOut">
               <a:rPr lang="en-GB" smtClean="0"/>
-              <a:t>10/07/2014</a:t>
+              <a:t>26/09/2014</a:t>
             </a:fld>
             <a:endParaRPr lang="en-GB"/>
           </a:p>
@@ -2512,7 +2512,7 @@
           <a:p>
             <a:fld id="{1242D6C5-CFB4-4B19-BCA0-C8773C35A29B}" type="datetimeFigureOut">
               <a:rPr lang="en-GB" smtClean="0"/>
-              <a:t>10/07/2014</a:t>
+              <a:t>26/09/2014</a:t>
             </a:fld>
             <a:endParaRPr lang="en-GB"/>
           </a:p>
@@ -2725,7 +2725,7 @@
           <a:p>
             <a:fld id="{1242D6C5-CFB4-4B19-BCA0-C8773C35A29B}" type="datetimeFigureOut">
               <a:rPr lang="en-GB" smtClean="0"/>
-              <a:t>10/07/2014</a:t>
+              <a:t>26/09/2014</a:t>
             </a:fld>
             <a:endParaRPr lang="en-GB"/>
           </a:p>
@@ -3160,7 +3160,7 @@
         </p:blipFill>
         <p:spPr bwMode="auto">
           <a:xfrm>
-            <a:off x="4595010" y="851705"/>
+            <a:off x="4595010" y="67362"/>
             <a:ext cx="4399729" cy="6911573"/>
           </a:xfrm>
           <a:prstGeom prst="rect">
@@ -3201,7 +3201,7 @@
         </p:blipFill>
         <p:spPr bwMode="auto">
           <a:xfrm>
-            <a:off x="366927" y="6057900"/>
+            <a:off x="649199" y="6135040"/>
             <a:ext cx="4139395" cy="3477411"/>
           </a:xfrm>
           <a:prstGeom prst="rect">
@@ -3257,7 +3257,7 @@
         </p:nvSpPr>
         <p:spPr>
           <a:xfrm>
-            <a:off x="4344895" y="934146"/>
+            <a:off x="4344895" y="65409"/>
             <a:ext cx="596271" cy="477054"/>
           </a:xfrm>
           <a:prstGeom prst="rect">
@@ -3287,7 +3287,7 @@
         </p:nvSpPr>
         <p:spPr>
           <a:xfrm>
-            <a:off x="321602" y="5940425"/>
+            <a:off x="603874" y="6017565"/>
             <a:ext cx="596271" cy="477054"/>
           </a:xfrm>
           <a:prstGeom prst="rect">
